--- a/MusicKeyboard/Phase2/Plot_CMU_EMG_Data1_2019_06_09.pptx
+++ b/MusicKeyboard/Phase2/Plot_CMU_EMG_Data1_2019_06_09.pptx
@@ -6361,15 +6361,7 @@
             </a:pPr>
             <a:r>
               <a:rPr lang="en-IN" dirty="0"/>
-              <a:t>EMG Data of 5 users(2 male, </a:t>
-            </a:r>
-            <a:r>
-              <a:rPr lang="en-IN"/>
-              <a:t>3 female), </a:t>
-            </a:r>
-            <a:r>
-              <a:rPr lang="en-IN" dirty="0"/>
-              <a:t>30 trials, 6 experiments is plotted</a:t>
+              <a:t>EMG Data of 5 users(2 male, 3 female), 30 trials, 6 action is plotted</a:t>
             </a:r>
           </a:p>
           <a:p>
@@ -6389,7 +6381,15 @@
             </a:pPr>
             <a:r>
               <a:rPr lang="en-IN" dirty="0"/>
-              <a:t>Each figure title details information about the trial, exp and user</a:t>
+              <a:t>Each figure title details information about the trial</a:t>
+            </a:r>
+            <a:r>
+              <a:rPr lang="en-IN"/>
+              <a:t>, action </a:t>
+            </a:r>
+            <a:r>
+              <a:rPr lang="en-IN" dirty="0"/>
+              <a:t>and user</a:t>
             </a:r>
           </a:p>
           <a:p>
